--- a/ppts/0625_s24_qp_11_mcq.pptx
+++ b/ppts/0625_s24_qp_11_mcq.pptx
@@ -3236,7 +3236,7 @@
         <p:spPr>
           <a:xfrm>
             <a:off x="365760" y="731520"/>
-            <a:ext cx="8229600" cy="4220669"/>
+            <a:ext cx="8229600" cy="2912795"/>
           </a:xfrm>
           <a:prstGeom prst="rect">
             <a:avLst/>
@@ -3313,7 +3313,7 @@
         <p:spPr>
           <a:xfrm>
             <a:off x="365760" y="731520"/>
-            <a:ext cx="6871686" cy="5943600"/>
+            <a:ext cx="8215833" cy="5943600"/>
           </a:xfrm>
           <a:prstGeom prst="rect">
             <a:avLst/>
@@ -3390,7 +3390,7 @@
         <p:spPr>
           <a:xfrm>
             <a:off x="365760" y="731520"/>
-            <a:ext cx="8229600" cy="2842620"/>
+            <a:ext cx="8229600" cy="1776289"/>
           </a:xfrm>
           <a:prstGeom prst="rect">
             <a:avLst/>
@@ -3467,7 +3467,7 @@
         <p:spPr>
           <a:xfrm>
             <a:off x="365760" y="731520"/>
-            <a:ext cx="8089351" cy="5943600"/>
+            <a:ext cx="8229600" cy="4583346"/>
           </a:xfrm>
           <a:prstGeom prst="rect">
             <a:avLst/>
@@ -3544,7 +3544,7 @@
         <p:spPr>
           <a:xfrm>
             <a:off x="365760" y="731520"/>
-            <a:ext cx="8229600" cy="3444072"/>
+            <a:ext cx="8229600" cy="2173598"/>
           </a:xfrm>
           <a:prstGeom prst="rect">
             <a:avLst/>
@@ -3621,7 +3621,7 @@
         <p:spPr>
           <a:xfrm>
             <a:off x="365760" y="731520"/>
-            <a:ext cx="8229600" cy="3092967"/>
+            <a:ext cx="8229600" cy="2297769"/>
           </a:xfrm>
           <a:prstGeom prst="rect">
             <a:avLst/>
@@ -3698,7 +3698,7 @@
         <p:spPr>
           <a:xfrm>
             <a:off x="365760" y="731520"/>
-            <a:ext cx="8229600" cy="2817008"/>
+            <a:ext cx="8229600" cy="1745839"/>
           </a:xfrm>
           <a:prstGeom prst="rect">
             <a:avLst/>
@@ -3775,7 +3775,7 @@
         <p:spPr>
           <a:xfrm>
             <a:off x="365760" y="731520"/>
-            <a:ext cx="6689684" cy="5943600"/>
+            <a:ext cx="8229600" cy="5707856"/>
           </a:xfrm>
           <a:prstGeom prst="rect">
             <a:avLst/>
@@ -3852,7 +3852,7 @@
         <p:spPr>
           <a:xfrm>
             <a:off x="365760" y="731520"/>
-            <a:ext cx="8229600" cy="3362967"/>
+            <a:ext cx="8229600" cy="2189731"/>
           </a:xfrm>
           <a:prstGeom prst="rect">
             <a:avLst/>
@@ -3929,7 +3929,7 @@
         <p:spPr>
           <a:xfrm>
             <a:off x="365760" y="731520"/>
-            <a:ext cx="7522181" cy="5943600"/>
+            <a:ext cx="8229600" cy="3980058"/>
           </a:xfrm>
           <a:prstGeom prst="rect">
             <a:avLst/>
@@ -4006,7 +4006,7 @@
         <p:spPr>
           <a:xfrm>
             <a:off x="365760" y="731520"/>
-            <a:ext cx="8229600" cy="3837181"/>
+            <a:ext cx="8229600" cy="3036532"/>
           </a:xfrm>
           <a:prstGeom prst="rect">
             <a:avLst/>
@@ -4083,7 +4083,7 @@
         <p:spPr>
           <a:xfrm>
             <a:off x="365760" y="731520"/>
-            <a:ext cx="8229600" cy="4863210"/>
+            <a:ext cx="8229600" cy="3775295"/>
           </a:xfrm>
           <a:prstGeom prst="rect">
             <a:avLst/>
@@ -4160,7 +4160,7 @@
         <p:spPr>
           <a:xfrm>
             <a:off x="365760" y="731520"/>
-            <a:ext cx="8229600" cy="3392076"/>
+            <a:ext cx="8229600" cy="2605383"/>
           </a:xfrm>
           <a:prstGeom prst="rect">
             <a:avLst/>
@@ -4237,7 +4237,7 @@
         <p:spPr>
           <a:xfrm>
             <a:off x="365760" y="731520"/>
-            <a:ext cx="8229600" cy="3545819"/>
+            <a:ext cx="8229600" cy="2710607"/>
           </a:xfrm>
           <a:prstGeom prst="rect">
             <a:avLst/>
@@ -4314,7 +4314,7 @@
         <p:spPr>
           <a:xfrm>
             <a:off x="365760" y="731520"/>
-            <a:ext cx="8229600" cy="4776456"/>
+            <a:ext cx="8229600" cy="3296111"/>
           </a:xfrm>
           <a:prstGeom prst="rect">
             <a:avLst/>
@@ -4391,7 +4391,7 @@
         <p:spPr>
           <a:xfrm>
             <a:off x="365760" y="731520"/>
-            <a:ext cx="8229600" cy="3655826"/>
+            <a:ext cx="8229600" cy="2313892"/>
           </a:xfrm>
           <a:prstGeom prst="rect">
             <a:avLst/>
@@ -4468,7 +4468,7 @@
         <p:spPr>
           <a:xfrm>
             <a:off x="365760" y="731520"/>
-            <a:ext cx="8229600" cy="5927729"/>
+            <a:ext cx="8229600" cy="4410848"/>
           </a:xfrm>
           <a:prstGeom prst="rect">
             <a:avLst/>
@@ -4545,7 +4545,7 @@
         <p:spPr>
           <a:xfrm>
             <a:off x="365760" y="731520"/>
-            <a:ext cx="8229600" cy="4695289"/>
+            <a:ext cx="8229600" cy="3060833"/>
           </a:xfrm>
           <a:prstGeom prst="rect">
             <a:avLst/>
@@ -4622,7 +4622,7 @@
         <p:spPr>
           <a:xfrm>
             <a:off x="365760" y="731520"/>
-            <a:ext cx="8229600" cy="3375400"/>
+            <a:ext cx="8229600" cy="2542213"/>
           </a:xfrm>
           <a:prstGeom prst="rect">
             <a:avLst/>
@@ -4699,7 +4699,7 @@
         <p:spPr>
           <a:xfrm>
             <a:off x="365760" y="731520"/>
-            <a:ext cx="8229600" cy="2617991"/>
+            <a:ext cx="8229600" cy="1738265"/>
           </a:xfrm>
           <a:prstGeom prst="rect">
             <a:avLst/>
@@ -4776,7 +4776,7 @@
         <p:spPr>
           <a:xfrm>
             <a:off x="365760" y="731520"/>
-            <a:ext cx="7005622" cy="5943600"/>
+            <a:ext cx="8229600" cy="5656556"/>
           </a:xfrm>
           <a:prstGeom prst="rect">
             <a:avLst/>
@@ -4853,7 +4853,7 @@
         <p:spPr>
           <a:xfrm>
             <a:off x="365760" y="731520"/>
-            <a:ext cx="8000377" cy="5943600"/>
+            <a:ext cx="8229600" cy="5187635"/>
           </a:xfrm>
           <a:prstGeom prst="rect">
             <a:avLst/>
@@ -4930,7 +4930,7 @@
         <p:spPr>
           <a:xfrm>
             <a:off x="365760" y="731520"/>
-            <a:ext cx="8229600" cy="3636174"/>
+            <a:ext cx="8229600" cy="2404431"/>
           </a:xfrm>
           <a:prstGeom prst="rect">
             <a:avLst/>
@@ -5007,7 +5007,7 @@
         <p:spPr>
           <a:xfrm>
             <a:off x="365760" y="731520"/>
-            <a:ext cx="8229600" cy="4909173"/>
+            <a:ext cx="8229600" cy="4090355"/>
           </a:xfrm>
           <a:prstGeom prst="rect">
             <a:avLst/>
@@ -5084,7 +5084,7 @@
         <p:spPr>
           <a:xfrm>
             <a:off x="365760" y="731520"/>
-            <a:ext cx="7937067" cy="5943600"/>
+            <a:ext cx="8229600" cy="4714815"/>
           </a:xfrm>
           <a:prstGeom prst="rect">
             <a:avLst/>
@@ -5161,7 +5161,7 @@
         <p:spPr>
           <a:xfrm>
             <a:off x="365760" y="731520"/>
-            <a:ext cx="8229600" cy="4238897"/>
+            <a:ext cx="8229600" cy="2944159"/>
           </a:xfrm>
           <a:prstGeom prst="rect">
             <a:avLst/>
@@ -5238,7 +5238,7 @@
         <p:spPr>
           <a:xfrm>
             <a:off x="365760" y="731520"/>
-            <a:ext cx="8229600" cy="3999778"/>
+            <a:ext cx="8229600" cy="2640190"/>
           </a:xfrm>
           <a:prstGeom prst="rect">
             <a:avLst/>
@@ -5315,7 +5315,7 @@
         <p:spPr>
           <a:xfrm>
             <a:off x="365760" y="731520"/>
-            <a:ext cx="8229600" cy="3332076"/>
+            <a:ext cx="8229600" cy="2190815"/>
           </a:xfrm>
           <a:prstGeom prst="rect">
             <a:avLst/>
@@ -5392,7 +5392,7 @@
         <p:spPr>
           <a:xfrm>
             <a:off x="365760" y="731520"/>
-            <a:ext cx="8229600" cy="4735320"/>
+            <a:ext cx="8229600" cy="3444143"/>
           </a:xfrm>
           <a:prstGeom prst="rect">
             <a:avLst/>
@@ -5469,7 +5469,7 @@
         <p:spPr>
           <a:xfrm>
             <a:off x="365760" y="731520"/>
-            <a:ext cx="8229600" cy="3276944"/>
+            <a:ext cx="8229600" cy="2148778"/>
           </a:xfrm>
           <a:prstGeom prst="rect">
             <a:avLst/>
@@ -5546,7 +5546,7 @@
         <p:spPr>
           <a:xfrm>
             <a:off x="365760" y="731520"/>
-            <a:ext cx="8229600" cy="3736224"/>
+            <a:ext cx="8229600" cy="2475259"/>
           </a:xfrm>
           <a:prstGeom prst="rect">
             <a:avLst/>
@@ -5623,7 +5623,7 @@
         <p:spPr>
           <a:xfrm>
             <a:off x="365760" y="731520"/>
-            <a:ext cx="8229600" cy="4727759"/>
+            <a:ext cx="8229600" cy="3911097"/>
           </a:xfrm>
           <a:prstGeom prst="rect">
             <a:avLst/>
@@ -5700,7 +5700,7 @@
         <p:spPr>
           <a:xfrm>
             <a:off x="365760" y="731520"/>
-            <a:ext cx="3966816" cy="5943600"/>
+            <a:ext cx="4143835" cy="5943600"/>
           </a:xfrm>
           <a:prstGeom prst="rect">
             <a:avLst/>
@@ -5777,7 +5777,7 @@
         <p:spPr>
           <a:xfrm>
             <a:off x="365760" y="731520"/>
-            <a:ext cx="8229600" cy="3670065"/>
+            <a:ext cx="8229600" cy="2322105"/>
           </a:xfrm>
           <a:prstGeom prst="rect">
             <a:avLst/>
@@ -5854,7 +5854,7 @@
         <p:spPr>
           <a:xfrm>
             <a:off x="365760" y="731520"/>
-            <a:ext cx="8229600" cy="4135772"/>
+            <a:ext cx="8229600" cy="2443522"/>
           </a:xfrm>
           <a:prstGeom prst="rect">
             <a:avLst/>
@@ -5931,7 +5931,7 @@
         <p:spPr>
           <a:xfrm>
             <a:off x="365760" y="731520"/>
-            <a:ext cx="8177912" cy="5943600"/>
+            <a:ext cx="8229600" cy="5149611"/>
           </a:xfrm>
           <a:prstGeom prst="rect">
             <a:avLst/>
@@ -6008,7 +6008,7 @@
         <p:spPr>
           <a:xfrm>
             <a:off x="365760" y="731520"/>
-            <a:ext cx="7860043" cy="5943600"/>
+            <a:ext cx="8229600" cy="5388622"/>
           </a:xfrm>
           <a:prstGeom prst="rect">
             <a:avLst/>
@@ -6085,7 +6085,7 @@
         <p:spPr>
           <a:xfrm>
             <a:off x="365760" y="731520"/>
-            <a:ext cx="8229600" cy="3965289"/>
+            <a:ext cx="8229600" cy="2700519"/>
           </a:xfrm>
           <a:prstGeom prst="rect">
             <a:avLst/>
@@ -6162,7 +6162,7 @@
         <p:spPr>
           <a:xfrm>
             <a:off x="365760" y="731520"/>
-            <a:ext cx="8229600" cy="3426356"/>
+            <a:ext cx="8229600" cy="3047281"/>
           </a:xfrm>
           <a:prstGeom prst="rect">
             <a:avLst/>
@@ -6239,7 +6239,7 @@
         <p:spPr>
           <a:xfrm>
             <a:off x="365760" y="731520"/>
-            <a:ext cx="6270309" cy="5943600"/>
+            <a:ext cx="7073490" cy="5943600"/>
           </a:xfrm>
           <a:prstGeom prst="rect">
             <a:avLst/>

--- a/ppts/0625_s24_qp_11_mcq.pptx
+++ b/ppts/0625_s24_qp_11_mcq.pptx
@@ -3236,7 +3236,7 @@
         <p:spPr>
           <a:xfrm>
             <a:off x="365760" y="731520"/>
-            <a:ext cx="8229600" cy="2912795"/>
+            <a:ext cx="8229600" cy="4509108"/>
           </a:xfrm>
           <a:prstGeom prst="rect">
             <a:avLst/>
@@ -3313,7 +3313,7 @@
         <p:spPr>
           <a:xfrm>
             <a:off x="365760" y="731520"/>
-            <a:ext cx="8215833" cy="5943600"/>
+            <a:ext cx="8054162" cy="5943600"/>
           </a:xfrm>
           <a:prstGeom prst="rect">
             <a:avLst/>
@@ -3390,7 +3390,7 @@
         <p:spPr>
           <a:xfrm>
             <a:off x="365760" y="731520"/>
-            <a:ext cx="8229600" cy="1776289"/>
+            <a:ext cx="8229600" cy="4834550"/>
           </a:xfrm>
           <a:prstGeom prst="rect">
             <a:avLst/>
@@ -3467,7 +3467,7 @@
         <p:spPr>
           <a:xfrm>
             <a:off x="365760" y="731520"/>
-            <a:ext cx="8229600" cy="4583346"/>
+            <a:ext cx="8229600" cy="4703486"/>
           </a:xfrm>
           <a:prstGeom prst="rect">
             <a:avLst/>
@@ -3544,7 +3544,7 @@
         <p:spPr>
           <a:xfrm>
             <a:off x="365760" y="731520"/>
-            <a:ext cx="8229600" cy="2173598"/>
+            <a:ext cx="8229600" cy="2303467"/>
           </a:xfrm>
           <a:prstGeom prst="rect">
             <a:avLst/>
@@ -3621,7 +3621,7 @@
         <p:spPr>
           <a:xfrm>
             <a:off x="365760" y="731520"/>
-            <a:ext cx="8229600" cy="2297769"/>
+            <a:ext cx="8229600" cy="2406411"/>
           </a:xfrm>
           <a:prstGeom prst="rect">
             <a:avLst/>
@@ -3698,7 +3698,7 @@
         <p:spPr>
           <a:xfrm>
             <a:off x="365760" y="731520"/>
-            <a:ext cx="8229600" cy="1745839"/>
+            <a:ext cx="8229600" cy="2289355"/>
           </a:xfrm>
           <a:prstGeom prst="rect">
             <a:avLst/>
@@ -3775,7 +3775,7 @@
         <p:spPr>
           <a:xfrm>
             <a:off x="365760" y="731520"/>
-            <a:ext cx="8229600" cy="5707856"/>
+            <a:ext cx="8229600" cy="5907881"/>
           </a:xfrm>
           <a:prstGeom prst="rect">
             <a:avLst/>
@@ -3852,7 +3852,7 @@
         <p:spPr>
           <a:xfrm>
             <a:off x="365760" y="731520"/>
-            <a:ext cx="8229600" cy="2189731"/>
+            <a:ext cx="7433274" cy="5943600"/>
           </a:xfrm>
           <a:prstGeom prst="rect">
             <a:avLst/>
@@ -3929,7 +3929,7 @@
         <p:spPr>
           <a:xfrm>
             <a:off x="365760" y="731520"/>
-            <a:ext cx="8229600" cy="3980058"/>
+            <a:ext cx="8099345" cy="5943600"/>
           </a:xfrm>
           <a:prstGeom prst="rect">
             <a:avLst/>
@@ -4006,7 +4006,7 @@
         <p:spPr>
           <a:xfrm>
             <a:off x="365760" y="731520"/>
-            <a:ext cx="8229600" cy="3036532"/>
+            <a:ext cx="8229600" cy="3139741"/>
           </a:xfrm>
           <a:prstGeom prst="rect">
             <a:avLst/>
@@ -4083,7 +4083,7 @@
         <p:spPr>
           <a:xfrm>
             <a:off x="365760" y="731520"/>
-            <a:ext cx="8229600" cy="3775295"/>
+            <a:ext cx="8229600" cy="3894800"/>
           </a:xfrm>
           <a:prstGeom prst="rect">
             <a:avLst/>
@@ -4160,7 +4160,7 @@
         <p:spPr>
           <a:xfrm>
             <a:off x="365760" y="731520"/>
-            <a:ext cx="8229600" cy="2605383"/>
+            <a:ext cx="8229600" cy="2644759"/>
           </a:xfrm>
           <a:prstGeom prst="rect">
             <a:avLst/>
@@ -4237,7 +4237,7 @@
         <p:spPr>
           <a:xfrm>
             <a:off x="365760" y="731520"/>
-            <a:ext cx="8229600" cy="2710607"/>
+            <a:ext cx="8229600" cy="2846409"/>
           </a:xfrm>
           <a:prstGeom prst="rect">
             <a:avLst/>
@@ -4314,7 +4314,7 @@
         <p:spPr>
           <a:xfrm>
             <a:off x="365760" y="731520"/>
-            <a:ext cx="8229600" cy="3296111"/>
+            <a:ext cx="8229600" cy="3481206"/>
           </a:xfrm>
           <a:prstGeom prst="rect">
             <a:avLst/>
@@ -4391,7 +4391,7 @@
         <p:spPr>
           <a:xfrm>
             <a:off x="365760" y="731520"/>
-            <a:ext cx="8229600" cy="2313892"/>
+            <a:ext cx="6859399" cy="5943600"/>
           </a:xfrm>
           <a:prstGeom prst="rect">
             <a:avLst/>
@@ -4468,7 +4468,7 @@
         <p:spPr>
           <a:xfrm>
             <a:off x="365760" y="731520"/>
-            <a:ext cx="8229600" cy="4410848"/>
+            <a:ext cx="8229600" cy="5209363"/>
           </a:xfrm>
           <a:prstGeom prst="rect">
             <a:avLst/>
@@ -4545,7 +4545,7 @@
         <p:spPr>
           <a:xfrm>
             <a:off x="365760" y="731520"/>
-            <a:ext cx="8229600" cy="3060833"/>
+            <a:ext cx="8229600" cy="3243713"/>
           </a:xfrm>
           <a:prstGeom prst="rect">
             <a:avLst/>
@@ -4622,7 +4622,7 @@
         <p:spPr>
           <a:xfrm>
             <a:off x="365760" y="731520"/>
-            <a:ext cx="8229600" cy="2542213"/>
+            <a:ext cx="8229600" cy="3791591"/>
           </a:xfrm>
           <a:prstGeom prst="rect">
             <a:avLst/>
@@ -4699,7 +4699,7 @@
         <p:spPr>
           <a:xfrm>
             <a:off x="365760" y="731520"/>
-            <a:ext cx="8229600" cy="1738265"/>
+            <a:ext cx="8229600" cy="1841474"/>
           </a:xfrm>
           <a:prstGeom prst="rect">
             <a:avLst/>
@@ -4776,7 +4776,7 @@
         <p:spPr>
           <a:xfrm>
             <a:off x="365760" y="731520"/>
-            <a:ext cx="8229600" cy="5656556"/>
+            <a:ext cx="8229600" cy="5773826"/>
           </a:xfrm>
           <a:prstGeom prst="rect">
             <a:avLst/>
@@ -4853,7 +4853,7 @@
         <p:spPr>
           <a:xfrm>
             <a:off x="365760" y="731520"/>
-            <a:ext cx="8229600" cy="5187635"/>
+            <a:ext cx="6296890" cy="5943600"/>
           </a:xfrm>
           <a:prstGeom prst="rect">
             <a:avLst/>
@@ -4930,7 +4930,7 @@
         <p:spPr>
           <a:xfrm>
             <a:off x="365760" y="731520"/>
-            <a:ext cx="8229600" cy="2404431"/>
+            <a:ext cx="8229600" cy="5062939"/>
           </a:xfrm>
           <a:prstGeom prst="rect">
             <a:avLst/>
@@ -5007,7 +5007,7 @@
         <p:spPr>
           <a:xfrm>
             <a:off x="365760" y="731520"/>
-            <a:ext cx="8229600" cy="4090355"/>
+            <a:ext cx="8229600" cy="4193565"/>
           </a:xfrm>
           <a:prstGeom prst="rect">
             <a:avLst/>
@@ -5084,7 +5084,7 @@
         <p:spPr>
           <a:xfrm>
             <a:off x="365760" y="731520"/>
-            <a:ext cx="8229600" cy="4714815"/>
+            <a:ext cx="6958243" cy="5943600"/>
           </a:xfrm>
           <a:prstGeom prst="rect">
             <a:avLst/>
@@ -5161,7 +5161,7 @@
         <p:spPr>
           <a:xfrm>
             <a:off x="365760" y="731520"/>
-            <a:ext cx="8229600" cy="2944159"/>
+            <a:ext cx="8229600" cy="3096343"/>
           </a:xfrm>
           <a:prstGeom prst="rect">
             <a:avLst/>
@@ -5238,7 +5238,7 @@
         <p:spPr>
           <a:xfrm>
             <a:off x="365760" y="731520"/>
-            <a:ext cx="8229600" cy="2640190"/>
+            <a:ext cx="8229600" cy="2828295"/>
           </a:xfrm>
           <a:prstGeom prst="rect">
             <a:avLst/>
@@ -5315,7 +5315,7 @@
         <p:spPr>
           <a:xfrm>
             <a:off x="365760" y="731520"/>
-            <a:ext cx="8229600" cy="2190815"/>
+            <a:ext cx="8229600" cy="2342486"/>
           </a:xfrm>
           <a:prstGeom prst="rect">
             <a:avLst/>
@@ -5392,7 +5392,7 @@
         <p:spPr>
           <a:xfrm>
             <a:off x="365760" y="731520"/>
-            <a:ext cx="8229600" cy="3444143"/>
+            <a:ext cx="8229600" cy="5296020"/>
           </a:xfrm>
           <a:prstGeom prst="rect">
             <a:avLst/>
@@ -5469,7 +5469,7 @@
         <p:spPr>
           <a:xfrm>
             <a:off x="365760" y="731520"/>
-            <a:ext cx="8229600" cy="2148778"/>
+            <a:ext cx="8229600" cy="2254002"/>
           </a:xfrm>
           <a:prstGeom prst="rect">
             <a:avLst/>
@@ -5546,7 +5546,7 @@
         <p:spPr>
           <a:xfrm>
             <a:off x="365760" y="731520"/>
-            <a:ext cx="8229600" cy="2475259"/>
+            <a:ext cx="8229600" cy="2615609"/>
           </a:xfrm>
           <a:prstGeom prst="rect">
             <a:avLst/>
@@ -5623,7 +5623,7 @@
         <p:spPr>
           <a:xfrm>
             <a:off x="365760" y="731520"/>
-            <a:ext cx="8229600" cy="3911097"/>
+            <a:ext cx="8229600" cy="4019738"/>
           </a:xfrm>
           <a:prstGeom prst="rect">
             <a:avLst/>
@@ -5700,7 +5700,7 @@
         <p:spPr>
           <a:xfrm>
             <a:off x="365760" y="731520"/>
-            <a:ext cx="4143835" cy="5943600"/>
+            <a:ext cx="8229600" cy="4198997"/>
           </a:xfrm>
           <a:prstGeom prst="rect">
             <a:avLst/>
@@ -5777,7 +5777,7 @@
         <p:spPr>
           <a:xfrm>
             <a:off x="365760" y="731520"/>
-            <a:ext cx="8229600" cy="2322105"/>
+            <a:ext cx="8229600" cy="3081536"/>
           </a:xfrm>
           <a:prstGeom prst="rect">
             <a:avLst/>
@@ -5854,7 +5854,7 @@
         <p:spPr>
           <a:xfrm>
             <a:off x="365760" y="731520"/>
-            <a:ext cx="8229600" cy="2443522"/>
+            <a:ext cx="8229600" cy="2758568"/>
           </a:xfrm>
           <a:prstGeom prst="rect">
             <a:avLst/>
@@ -5931,7 +5931,7 @@
         <p:spPr>
           <a:xfrm>
             <a:off x="365760" y="731520"/>
-            <a:ext cx="8229600" cy="5149611"/>
+            <a:ext cx="6884215" cy="5943600"/>
           </a:xfrm>
           <a:prstGeom prst="rect">
             <a:avLst/>
@@ -6008,7 +6008,7 @@
         <p:spPr>
           <a:xfrm>
             <a:off x="365760" y="731520"/>
-            <a:ext cx="8229600" cy="5388622"/>
+            <a:ext cx="8229600" cy="5491832"/>
           </a:xfrm>
           <a:prstGeom prst="rect">
             <a:avLst/>
@@ -6085,7 +6085,7 @@
         <p:spPr>
           <a:xfrm>
             <a:off x="365760" y="731520"/>
-            <a:ext cx="8229600" cy="2700519"/>
+            <a:ext cx="8229600" cy="2848035"/>
           </a:xfrm>
           <a:prstGeom prst="rect">
             <a:avLst/>
@@ -6162,7 +6162,7 @@
         <p:spPr>
           <a:xfrm>
             <a:off x="365760" y="731520"/>
-            <a:ext cx="8229600" cy="3047281"/>
+            <a:ext cx="8229600" cy="3389467"/>
           </a:xfrm>
           <a:prstGeom prst="rect">
             <a:avLst/>
@@ -6239,7 +6239,7 @@
         <p:spPr>
           <a:xfrm>
             <a:off x="365760" y="731520"/>
-            <a:ext cx="7073490" cy="5943600"/>
+            <a:ext cx="6931912" cy="5943600"/>
           </a:xfrm>
           <a:prstGeom prst="rect">
             <a:avLst/>
